--- a/docs/Презентаци я Units convector.pptx
+++ b/docs/Презентаци я Units convector.pptx
@@ -15,7 +15,8 @@
     <p:sldId id="264" r:id="rId9"/>
     <p:sldId id="265" r:id="rId10"/>
     <p:sldId id="266" r:id="rId11"/>
-    <p:sldId id="262" r:id="rId12"/>
+    <p:sldId id="267" r:id="rId12"/>
+    <p:sldId id="262" r:id="rId13"/>
   </p:sldIdLst>
   <p:sldSz cx="12192000" cy="6858000"/>
   <p:notesSz cx="6858000" cy="9144000"/>
@@ -122,6 +123,14 @@
 </p:presentation>
 </file>
 
+<file path=ppt/revisionInfo.xml><?xml version="1.0" encoding="utf-8"?>
+<p1510:revInfo xmlns:a="http://schemas.openxmlformats.org/drawingml/2006/main" xmlns:r="http://schemas.openxmlformats.org/officeDocument/2006/relationships" xmlns:p1510="http://schemas.microsoft.com/office/powerpoint/2015/10/main">
+  <p1510:revLst>
+    <p1510:client id="{B87AF393-7BDC-4DF6-A04D-3400664D64DB}" v="47" dt="2023-10-12T17:53:56.641"/>
+  </p1510:revLst>
+</p1510:revInfo>
+</file>
+
 <file path=ppt/slideLayouts/slideLayout1.xml><?xml version="1.0" encoding="utf-8"?>
 <p:sldLayout xmlns:a="http://schemas.openxmlformats.org/drawingml/2006/main" xmlns:r="http://schemas.openxmlformats.org/officeDocument/2006/relationships" xmlns:p="http://schemas.openxmlformats.org/presentationml/2006/main" type="title" preserve="1">
   <p:cSld name="Титульный слайд">
@@ -308,7 +317,7 @@
           <a:p>
             <a:fld id="{ED2DDFA5-840E-40B8-ADAC-AC06F104703A}" type="datetimeFigureOut">
               <a:rPr lang="ru-RU" smtClean="0"/>
-              <a:t>21.09.2023</a:t>
+              <a:t>12.10.2023</a:t>
             </a:fld>
             <a:endParaRPr lang="ru-RU"/>
           </a:p>
@@ -583,7 +592,7 @@
           <a:p>
             <a:fld id="{ED2DDFA5-840E-40B8-ADAC-AC06F104703A}" type="datetimeFigureOut">
               <a:rPr lang="ru-RU" smtClean="0"/>
-              <a:t>21.09.2023</a:t>
+              <a:t>12.10.2023</a:t>
             </a:fld>
             <a:endParaRPr lang="ru-RU"/>
           </a:p>
@@ -777,7 +786,7 @@
           <a:p>
             <a:fld id="{ED2DDFA5-840E-40B8-ADAC-AC06F104703A}" type="datetimeFigureOut">
               <a:rPr lang="ru-RU" smtClean="0"/>
-              <a:t>21.09.2023</a:t>
+              <a:t>12.10.2023</a:t>
             </a:fld>
             <a:endParaRPr lang="ru-RU"/>
           </a:p>
@@ -1050,7 +1059,7 @@
           <a:p>
             <a:fld id="{ED2DDFA5-840E-40B8-ADAC-AC06F104703A}" type="datetimeFigureOut">
               <a:rPr lang="ru-RU" smtClean="0"/>
-              <a:t>21.09.2023</a:t>
+              <a:t>12.10.2023</a:t>
             </a:fld>
             <a:endParaRPr lang="ru-RU"/>
           </a:p>
@@ -1391,7 +1400,7 @@
           <a:p>
             <a:fld id="{ED2DDFA5-840E-40B8-ADAC-AC06F104703A}" type="datetimeFigureOut">
               <a:rPr lang="ru-RU" smtClean="0"/>
-              <a:t>21.09.2023</a:t>
+              <a:t>12.10.2023</a:t>
             </a:fld>
             <a:endParaRPr lang="ru-RU"/>
           </a:p>
@@ -2014,7 +2023,7 @@
           <a:p>
             <a:fld id="{ED2DDFA5-840E-40B8-ADAC-AC06F104703A}" type="datetimeFigureOut">
               <a:rPr lang="ru-RU" smtClean="0"/>
-              <a:t>21.09.2023</a:t>
+              <a:t>12.10.2023</a:t>
             </a:fld>
             <a:endParaRPr lang="ru-RU"/>
           </a:p>
@@ -2874,7 +2883,7 @@
           <a:p>
             <a:fld id="{ED2DDFA5-840E-40B8-ADAC-AC06F104703A}" type="datetimeFigureOut">
               <a:rPr lang="ru-RU" smtClean="0"/>
-              <a:t>21.09.2023</a:t>
+              <a:t>12.10.2023</a:t>
             </a:fld>
             <a:endParaRPr lang="ru-RU"/>
           </a:p>
@@ -3044,7 +3053,7 @@
           <a:p>
             <a:fld id="{ED2DDFA5-840E-40B8-ADAC-AC06F104703A}" type="datetimeFigureOut">
               <a:rPr lang="ru-RU" smtClean="0"/>
-              <a:t>21.09.2023</a:t>
+              <a:t>12.10.2023</a:t>
             </a:fld>
             <a:endParaRPr lang="ru-RU"/>
           </a:p>
@@ -3224,7 +3233,7 @@
           <a:p>
             <a:fld id="{ED2DDFA5-840E-40B8-ADAC-AC06F104703A}" type="datetimeFigureOut">
               <a:rPr lang="ru-RU" smtClean="0"/>
-              <a:t>21.09.2023</a:t>
+              <a:t>12.10.2023</a:t>
             </a:fld>
             <a:endParaRPr lang="ru-RU"/>
           </a:p>
@@ -3394,7 +3403,7 @@
           <a:p>
             <a:fld id="{ED2DDFA5-840E-40B8-ADAC-AC06F104703A}" type="datetimeFigureOut">
               <a:rPr lang="ru-RU" smtClean="0"/>
-              <a:t>21.09.2023</a:t>
+              <a:t>12.10.2023</a:t>
             </a:fld>
             <a:endParaRPr lang="ru-RU"/>
           </a:p>
@@ -3641,7 +3650,7 @@
           <a:p>
             <a:fld id="{ED2DDFA5-840E-40B8-ADAC-AC06F104703A}" type="datetimeFigureOut">
               <a:rPr lang="ru-RU" smtClean="0"/>
-              <a:t>21.09.2023</a:t>
+              <a:t>12.10.2023</a:t>
             </a:fld>
             <a:endParaRPr lang="ru-RU"/>
           </a:p>
@@ -3933,7 +3942,7 @@
           <a:p>
             <a:fld id="{ED2DDFA5-840E-40B8-ADAC-AC06F104703A}" type="datetimeFigureOut">
               <a:rPr lang="ru-RU" smtClean="0"/>
-              <a:t>21.09.2023</a:t>
+              <a:t>12.10.2023</a:t>
             </a:fld>
             <a:endParaRPr lang="ru-RU"/>
           </a:p>
@@ -4377,7 +4386,7 @@
           <a:p>
             <a:fld id="{ED2DDFA5-840E-40B8-ADAC-AC06F104703A}" type="datetimeFigureOut">
               <a:rPr lang="ru-RU" smtClean="0"/>
-              <a:t>21.09.2023</a:t>
+              <a:t>12.10.2023</a:t>
             </a:fld>
             <a:endParaRPr lang="ru-RU"/>
           </a:p>
@@ -4495,7 +4504,7 @@
           <a:p>
             <a:fld id="{ED2DDFA5-840E-40B8-ADAC-AC06F104703A}" type="datetimeFigureOut">
               <a:rPr lang="ru-RU" smtClean="0"/>
-              <a:t>21.09.2023</a:t>
+              <a:t>12.10.2023</a:t>
             </a:fld>
             <a:endParaRPr lang="ru-RU"/>
           </a:p>
@@ -4590,7 +4599,7 @@
           <a:p>
             <a:fld id="{ED2DDFA5-840E-40B8-ADAC-AC06F104703A}" type="datetimeFigureOut">
               <a:rPr lang="ru-RU" smtClean="0"/>
-              <a:t>21.09.2023</a:t>
+              <a:t>12.10.2023</a:t>
             </a:fld>
             <a:endParaRPr lang="ru-RU"/>
           </a:p>
@@ -4869,7 +4878,7 @@
           <a:p>
             <a:fld id="{ED2DDFA5-840E-40B8-ADAC-AC06F104703A}" type="datetimeFigureOut">
               <a:rPr lang="ru-RU" smtClean="0"/>
-              <a:t>21.09.2023</a:t>
+              <a:t>12.10.2023</a:t>
             </a:fld>
             <a:endParaRPr lang="ru-RU"/>
           </a:p>
@@ -5144,7 +5153,7 @@
           <a:p>
             <a:fld id="{ED2DDFA5-840E-40B8-ADAC-AC06F104703A}" type="datetimeFigureOut">
               <a:rPr lang="ru-RU" smtClean="0"/>
-              <a:t>21.09.2023</a:t>
+              <a:t>12.10.2023</a:t>
             </a:fld>
             <a:endParaRPr lang="ru-RU"/>
           </a:p>
@@ -5573,7 +5582,7 @@
           <a:p>
             <a:fld id="{ED2DDFA5-840E-40B8-ADAC-AC06F104703A}" type="datetimeFigureOut">
               <a:rPr lang="ru-RU" smtClean="0"/>
-              <a:t>21.09.2023</a:t>
+              <a:t>12.10.2023</a:t>
             </a:fld>
             <a:endParaRPr lang="ru-RU"/>
           </a:p>
@@ -6613,6 +6622,124 @@
 </file>
 
 <file path=ppt/slides/slide11.xml><?xml version="1.0" encoding="utf-8"?>
+<p:sld xmlns:a="http://schemas.openxmlformats.org/drawingml/2006/main" xmlns:r="http://schemas.openxmlformats.org/officeDocument/2006/relationships" xmlns:p="http://schemas.openxmlformats.org/presentationml/2006/main">
+  <p:cSld>
+    <p:spTree>
+      <p:nvGrpSpPr>
+        <p:cNvPr id="1" name=""/>
+        <p:cNvGrpSpPr/>
+        <p:nvPr/>
+      </p:nvGrpSpPr>
+      <p:grpSpPr>
+        <a:xfrm>
+          <a:off x="0" y="0"/>
+          <a:ext cx="0" cy="0"/>
+          <a:chOff x="0" y="0"/>
+          <a:chExt cx="0" cy="0"/>
+        </a:xfrm>
+      </p:grpSpPr>
+      <p:sp>
+        <p:nvSpPr>
+          <p:cNvPr id="2" name="Заголовок 1">
+            <a:extLst>
+              <a:ext uri="{FF2B5EF4-FFF2-40B4-BE49-F238E27FC236}">
+                <a16:creationId xmlns:a16="http://schemas.microsoft.com/office/drawing/2014/main" id="{B9C580E8-0A5C-CF84-55AE-38964A8F3570}"/>
+              </a:ext>
+            </a:extLst>
+          </p:cNvPr>
+          <p:cNvSpPr>
+            <a:spLocks noGrp="1"/>
+          </p:cNvSpPr>
+          <p:nvPr>
+            <p:ph type="title"/>
+          </p:nvPr>
+        </p:nvSpPr>
+        <p:spPr/>
+        <p:txBody>
+          <a:bodyPr/>
+          <a:lstStyle/>
+          <a:p>
+            <a:pPr algn="ctr"/>
+            <a:r>
+              <a:rPr lang="ru-RU" sz="4000" dirty="0"/>
+              <a:t>РАБОТО ПРОГРАММЫ</a:t>
+            </a:r>
+          </a:p>
+        </p:txBody>
+      </p:sp>
+      <p:pic>
+        <p:nvPicPr>
+          <p:cNvPr id="7" name="Объект 6" descr="Изображение выглядит как текст, снимок экрана&#10;&#10;Автоматически созданное описание">
+            <a:extLst>
+              <a:ext uri="{FF2B5EF4-FFF2-40B4-BE49-F238E27FC236}">
+                <a16:creationId xmlns:a16="http://schemas.microsoft.com/office/drawing/2014/main" id="{0593A9B4-27FD-5D5A-6227-957D99C1F2F1}"/>
+              </a:ext>
+            </a:extLst>
+          </p:cNvPr>
+          <p:cNvPicPr>
+            <a:picLocks noGrp="1" noChangeAspect="1"/>
+          </p:cNvPicPr>
+          <p:nvPr>
+            <p:ph idx="1"/>
+          </p:nvPr>
+        </p:nvPicPr>
+        <p:blipFill>
+          <a:blip r:embed="rId2"/>
+          <a:stretch>
+            <a:fillRect/>
+          </a:stretch>
+        </p:blipFill>
+        <p:spPr>
+          <a:xfrm>
+            <a:off x="1951587" y="1855622"/>
+            <a:ext cx="4143375" cy="3945303"/>
+          </a:xfrm>
+        </p:spPr>
+      </p:pic>
+      <p:pic>
+        <p:nvPicPr>
+          <p:cNvPr id="8" name="Рисунок 7" descr="Изображение выглядит как снимок экрана, текст, шаблон, дизайн&#10;&#10;Автоматически созданное описание">
+            <a:extLst>
+              <a:ext uri="{FF2B5EF4-FFF2-40B4-BE49-F238E27FC236}">
+                <a16:creationId xmlns:a16="http://schemas.microsoft.com/office/drawing/2014/main" id="{0B9626DB-1B52-25CA-03D5-2BAE8EF95DB3}"/>
+              </a:ext>
+            </a:extLst>
+          </p:cNvPr>
+          <p:cNvPicPr>
+            <a:picLocks noChangeAspect="1"/>
+          </p:cNvPicPr>
+          <p:nvPr/>
+        </p:nvPicPr>
+        <p:blipFill>
+          <a:blip r:embed="rId3"/>
+          <a:stretch>
+            <a:fillRect/>
+          </a:stretch>
+        </p:blipFill>
+        <p:spPr>
+          <a:xfrm>
+            <a:off x="7390812" y="1860062"/>
+            <a:ext cx="3721298" cy="3938953"/>
+          </a:xfrm>
+          <a:prstGeom prst="rect">
+            <a:avLst/>
+          </a:prstGeom>
+        </p:spPr>
+      </p:pic>
+    </p:spTree>
+    <p:extLst>
+      <p:ext uri="{BB962C8B-B14F-4D97-AF65-F5344CB8AC3E}">
+        <p14:creationId xmlns:p14="http://schemas.microsoft.com/office/powerpoint/2010/main" val="1038741782"/>
+      </p:ext>
+    </p:extLst>
+  </p:cSld>
+  <p:clrMapOvr>
+    <a:masterClrMapping/>
+  </p:clrMapOvr>
+</p:sld>
+</file>
+
+<file path=ppt/slides/slide12.xml><?xml version="1.0" encoding="utf-8"?>
 <p:sld xmlns:a="http://schemas.openxmlformats.org/drawingml/2006/main" xmlns:r="http://schemas.openxmlformats.org/officeDocument/2006/relationships" xmlns:p="http://schemas.openxmlformats.org/presentationml/2006/main">
   <p:cSld>
     <p:spTree>
